--- a/New Students.pptx
+++ b/New Students.pptx
@@ -6,7 +6,8 @@
   </p:sldMasterIdLst>
   <p:sldIdLst>
     <p:sldId id="256" r:id="rId2"/>
-    <p:sldId id="257" r:id="rId3"/>
+    <p:sldId id="258" r:id="rId3"/>
+    <p:sldId id="257" r:id="rId4"/>
   </p:sldIdLst>
   <p:sldSz cx="12192000" cy="6858000"/>
   <p:notesSz cx="6858000" cy="9144000"/>
@@ -105,6 +106,11 @@
       </a:defRPr>
     </a:lvl9pPr>
   </p:defaultTextStyle>
+  <p:extLst>
+    <p:ext uri="{EFAFB233-063F-42B5-8137-9DF3F51BA10A}">
+      <p15:sldGuideLst xmlns:p15="http://schemas.microsoft.com/office/powerpoint/2012/main"/>
+    </p:ext>
+  </p:extLst>
 </p:presentation>
 </file>
 
@@ -239,7 +245,7 @@
           <a:p>
             <a:fld id="{3ECB97F9-6282-4BB9-8408-CCAAA4A4ADEE}" type="datetimeFigureOut">
               <a:rPr lang="zh-TW" altLang="en-US" smtClean="0"/>
-              <a:t>2014/7/20</a:t>
+              <a:t>2014/8/6</a:t>
             </a:fld>
             <a:endParaRPr lang="zh-TW" altLang="en-US"/>
           </a:p>
@@ -409,7 +415,7 @@
           <a:p>
             <a:fld id="{3ECB97F9-6282-4BB9-8408-CCAAA4A4ADEE}" type="datetimeFigureOut">
               <a:rPr lang="zh-TW" altLang="en-US" smtClean="0"/>
-              <a:t>2014/7/20</a:t>
+              <a:t>2014/8/6</a:t>
             </a:fld>
             <a:endParaRPr lang="zh-TW" altLang="en-US"/>
           </a:p>
@@ -589,7 +595,7 @@
           <a:p>
             <a:fld id="{3ECB97F9-6282-4BB9-8408-CCAAA4A4ADEE}" type="datetimeFigureOut">
               <a:rPr lang="zh-TW" altLang="en-US" smtClean="0"/>
-              <a:t>2014/7/20</a:t>
+              <a:t>2014/8/6</a:t>
             </a:fld>
             <a:endParaRPr lang="zh-TW" altLang="en-US"/>
           </a:p>
@@ -759,7 +765,7 @@
           <a:p>
             <a:fld id="{3ECB97F9-6282-4BB9-8408-CCAAA4A4ADEE}" type="datetimeFigureOut">
               <a:rPr lang="zh-TW" altLang="en-US" smtClean="0"/>
-              <a:t>2014/7/20</a:t>
+              <a:t>2014/8/6</a:t>
             </a:fld>
             <a:endParaRPr lang="zh-TW" altLang="en-US"/>
           </a:p>
@@ -1005,7 +1011,7 @@
           <a:p>
             <a:fld id="{3ECB97F9-6282-4BB9-8408-CCAAA4A4ADEE}" type="datetimeFigureOut">
               <a:rPr lang="zh-TW" altLang="en-US" smtClean="0"/>
-              <a:t>2014/7/20</a:t>
+              <a:t>2014/8/6</a:t>
             </a:fld>
             <a:endParaRPr lang="zh-TW" altLang="en-US"/>
           </a:p>
@@ -1237,7 +1243,7 @@
           <a:p>
             <a:fld id="{3ECB97F9-6282-4BB9-8408-CCAAA4A4ADEE}" type="datetimeFigureOut">
               <a:rPr lang="zh-TW" altLang="en-US" smtClean="0"/>
-              <a:t>2014/7/20</a:t>
+              <a:t>2014/8/6</a:t>
             </a:fld>
             <a:endParaRPr lang="zh-TW" altLang="en-US"/>
           </a:p>
@@ -1604,7 +1610,7 @@
           <a:p>
             <a:fld id="{3ECB97F9-6282-4BB9-8408-CCAAA4A4ADEE}" type="datetimeFigureOut">
               <a:rPr lang="zh-TW" altLang="en-US" smtClean="0"/>
-              <a:t>2014/7/20</a:t>
+              <a:t>2014/8/6</a:t>
             </a:fld>
             <a:endParaRPr lang="zh-TW" altLang="en-US"/>
           </a:p>
@@ -1722,7 +1728,7 @@
           <a:p>
             <a:fld id="{3ECB97F9-6282-4BB9-8408-CCAAA4A4ADEE}" type="datetimeFigureOut">
               <a:rPr lang="zh-TW" altLang="en-US" smtClean="0"/>
-              <a:t>2014/7/20</a:t>
+              <a:t>2014/8/6</a:t>
             </a:fld>
             <a:endParaRPr lang="zh-TW" altLang="en-US"/>
           </a:p>
@@ -1817,7 +1823,7 @@
           <a:p>
             <a:fld id="{3ECB97F9-6282-4BB9-8408-CCAAA4A4ADEE}" type="datetimeFigureOut">
               <a:rPr lang="zh-TW" altLang="en-US" smtClean="0"/>
-              <a:t>2014/7/20</a:t>
+              <a:t>2014/8/6</a:t>
             </a:fld>
             <a:endParaRPr lang="zh-TW" altLang="en-US"/>
           </a:p>
@@ -2094,7 +2100,7 @@
           <a:p>
             <a:fld id="{3ECB97F9-6282-4BB9-8408-CCAAA4A4ADEE}" type="datetimeFigureOut">
               <a:rPr lang="zh-TW" altLang="en-US" smtClean="0"/>
-              <a:t>2014/7/20</a:t>
+              <a:t>2014/8/6</a:t>
             </a:fld>
             <a:endParaRPr lang="zh-TW" altLang="en-US"/>
           </a:p>
@@ -2347,7 +2353,7 @@
           <a:p>
             <a:fld id="{3ECB97F9-6282-4BB9-8408-CCAAA4A4ADEE}" type="datetimeFigureOut">
               <a:rPr lang="zh-TW" altLang="en-US" smtClean="0"/>
-              <a:t>2014/7/20</a:t>
+              <a:t>2014/8/6</a:t>
             </a:fld>
             <a:endParaRPr lang="zh-TW" altLang="en-US"/>
           </a:p>
@@ -2560,7 +2566,7 @@
           <a:p>
             <a:fld id="{3ECB97F9-6282-4BB9-8408-CCAAA4A4ADEE}" type="datetimeFigureOut">
               <a:rPr lang="zh-TW" altLang="en-US" smtClean="0"/>
-              <a:t>2014/7/20</a:t>
+              <a:t>2014/8/6</a:t>
             </a:fld>
             <a:endParaRPr lang="zh-TW" altLang="en-US"/>
           </a:p>
@@ -3047,6 +3053,200 @@
             <p:ph type="title"/>
           </p:nvPr>
         </p:nvSpPr>
+        <p:spPr/>
+        <p:txBody>
+          <a:bodyPr/>
+          <a:lstStyle/>
+          <a:p>
+            <a:r>
+              <a:rPr lang="en-US" altLang="zh-TW" dirty="0" smtClean="0"/>
+              <a:t>Reading</a:t>
+            </a:r>
+            <a:endParaRPr lang="zh-TW" altLang="en-US" dirty="0"/>
+          </a:p>
+        </p:txBody>
+      </p:sp>
+      <p:sp>
+        <p:nvSpPr>
+          <p:cNvPr id="3" name="內容版面配置區 2"/>
+          <p:cNvSpPr>
+            <a:spLocks noGrp="1"/>
+          </p:cNvSpPr>
+          <p:nvPr>
+            <p:ph idx="1"/>
+          </p:nvPr>
+        </p:nvSpPr>
+        <p:spPr/>
+        <p:txBody>
+          <a:bodyPr>
+            <a:normAutofit fontScale="40000" lnSpcReduction="20000"/>
+          </a:bodyPr>
+          <a:lstStyle/>
+          <a:p>
+            <a:r>
+              <a:rPr lang="en-US" altLang="zh-TW" dirty="0"/>
+              <a:t> </a:t>
+            </a:r>
+            <a:endParaRPr lang="zh-TW" altLang="zh-TW" dirty="0"/>
+          </a:p>
+          <a:p>
+            <a:pPr lvl="0"/>
+            <a:r>
+              <a:rPr lang="en-US" altLang="zh-TW" dirty="0"/>
+              <a:t>Please register CIC course: </a:t>
+            </a:r>
+            <a:endParaRPr lang="zh-TW" altLang="zh-TW" dirty="0"/>
+          </a:p>
+          <a:p>
+            <a:r>
+              <a:rPr lang="en-US" altLang="zh-TW" b="1" dirty="0"/>
+              <a:t>Full Custom IC Design Concept.</a:t>
+            </a:r>
+            <a:endParaRPr lang="zh-TW" altLang="zh-TW" dirty="0"/>
+          </a:p>
+          <a:p>
+            <a:r>
+              <a:rPr lang="en-US" altLang="zh-TW" u="sng" dirty="0">
+                <a:hlinkClick r:id="rId2"/>
+              </a:rPr>
+              <a:t>http://www.cic.org.tw/cic_v13/reg_service/content/regmain.jsp?PROG_ID=regworkm44&amp;ITEM=1&amp;GID=11361&amp;G_KIND=EDU</a:t>
+            </a:r>
+            <a:endParaRPr lang="zh-TW" altLang="zh-TW" dirty="0"/>
+          </a:p>
+          <a:p>
+            <a:r>
+              <a:rPr lang="en-US" altLang="zh-TW" dirty="0"/>
+              <a:t> </a:t>
+            </a:r>
+            <a:endParaRPr lang="zh-TW" altLang="zh-TW" dirty="0"/>
+          </a:p>
+          <a:p>
+            <a:r>
+              <a:rPr lang="en-US" altLang="zh-TW" b="1" dirty="0"/>
+              <a:t>Create a workstation account in our lab.  Roger &amp; Kyle will help you with this. </a:t>
+            </a:r>
+            <a:endParaRPr lang="zh-TW" altLang="zh-TW" dirty="0"/>
+          </a:p>
+          <a:p>
+            <a:r>
+              <a:rPr lang="en-US" altLang="zh-TW" dirty="0"/>
+              <a:t> </a:t>
+            </a:r>
+            <a:endParaRPr lang="zh-TW" altLang="zh-TW" dirty="0"/>
+          </a:p>
+          <a:p>
+            <a:r>
+              <a:rPr lang="en-US" altLang="zh-TW" b="1" dirty="0"/>
+              <a:t>Please read the following books in sequence:</a:t>
+            </a:r>
+            <a:endParaRPr lang="zh-TW" altLang="zh-TW" dirty="0"/>
+          </a:p>
+          <a:p>
+            <a:pPr lvl="0"/>
+            <a:r>
+              <a:rPr lang="en-US" altLang="zh-TW" u="sng" dirty="0">
+                <a:hlinkClick r:id="rId3"/>
+              </a:rPr>
+              <a:t>http://www.amazon.com/Microelectronics-Prentice-Communications-Engineering-Technologies/dp/0137134738/ref=sr_1_1?ie=UTF8&amp;qid=1383741885&amp;sr=8-1&amp;keywords=microelectronics+RF</a:t>
+            </a:r>
+            <a:endParaRPr lang="zh-TW" altLang="zh-TW" dirty="0"/>
+          </a:p>
+          <a:p>
+            <a:pPr lvl="0"/>
+            <a:r>
+              <a:rPr lang="en-US" altLang="zh-TW" u="sng" dirty="0">
+                <a:hlinkClick r:id="rId4"/>
+              </a:rPr>
+              <a:t>http://www.amazon.com/Microwave-Engineering-David-M-Pozar/dp/0470631554/ref=sr_1_1?ie=UTF8&amp;qid=1383741850&amp;sr=8-1&amp;keywords=Pozar</a:t>
+            </a:r>
+            <a:endParaRPr lang="zh-TW" altLang="zh-TW" dirty="0"/>
+          </a:p>
+          <a:p>
+            <a:pPr lvl="0"/>
+            <a:r>
+              <a:rPr lang="en-US" altLang="zh-TW" u="sng" dirty="0">
+                <a:hlinkClick r:id="rId5"/>
+              </a:rPr>
+              <a:t>http://www.amazon.com/Design-Radio-Frequency-Integrated-Circuits-Edition/dp/0521835399/ref=sr_1_1?ie=UTF8&amp;qid=1383741870&amp;sr=8-1&amp;keywords=The+Design+of+CMOS</a:t>
+            </a:r>
+            <a:endParaRPr lang="zh-TW" altLang="zh-TW" dirty="0"/>
+          </a:p>
+          <a:p>
+            <a:pPr lvl="0"/>
+            <a:r>
+              <a:rPr lang="en-US" altLang="zh-TW" u="sng" dirty="0">
+                <a:hlinkClick r:id="rId6"/>
+              </a:rPr>
+              <a:t>http://www.amazon.com/Analysis-Design-Analog-Integrated-Circuits/dp/0470245999/ref=sr_1_1?ie=UTF8&amp;qid=1383741829&amp;sr=8-1&amp;keywords=Analog+Integrated+Circuit</a:t>
+            </a:r>
+            <a:endParaRPr lang="zh-TW" altLang="zh-TW" dirty="0"/>
+          </a:p>
+          <a:p>
+            <a:r>
+              <a:rPr lang="en-US" altLang="zh-TW" dirty="0"/>
+              <a:t> </a:t>
+            </a:r>
+            <a:endParaRPr lang="zh-TW" altLang="zh-TW" dirty="0"/>
+          </a:p>
+          <a:p>
+            <a:r>
+              <a:rPr lang="en-US" altLang="zh-TW" dirty="0"/>
+              <a:t>You can get these books in Taiwan bookstore. </a:t>
+            </a:r>
+            <a:endParaRPr lang="zh-TW" altLang="zh-TW" dirty="0"/>
+          </a:p>
+          <a:p>
+            <a:r>
+              <a:rPr lang="en-US" altLang="zh-TW" dirty="0"/>
+              <a:t> </a:t>
+            </a:r>
+            <a:endParaRPr lang="zh-TW" altLang="zh-TW" dirty="0"/>
+          </a:p>
+          <a:p>
+            <a:endParaRPr lang="zh-TW" altLang="en-US" dirty="0"/>
+          </a:p>
+        </p:txBody>
+      </p:sp>
+    </p:spTree>
+    <p:extLst>
+      <p:ext uri="{BB962C8B-B14F-4D97-AF65-F5344CB8AC3E}">
+        <p14:creationId xmlns:p14="http://schemas.microsoft.com/office/powerpoint/2010/main" val="2520722124"/>
+      </p:ext>
+    </p:extLst>
+  </p:cSld>
+  <p:clrMapOvr>
+    <a:masterClrMapping/>
+  </p:clrMapOvr>
+</p:sld>
+</file>
+
+<file path=ppt/slides/slide3.xml><?xml version="1.0" encoding="utf-8"?>
+<p:sld xmlns:a="http://schemas.openxmlformats.org/drawingml/2006/main" xmlns:r="http://schemas.openxmlformats.org/officeDocument/2006/relationships" xmlns:p="http://schemas.openxmlformats.org/presentationml/2006/main">
+  <p:cSld>
+    <p:spTree>
+      <p:nvGrpSpPr>
+        <p:cNvPr id="1" name=""/>
+        <p:cNvGrpSpPr/>
+        <p:nvPr/>
+      </p:nvGrpSpPr>
+      <p:grpSpPr>
+        <a:xfrm>
+          <a:off x="0" y="0"/>
+          <a:ext cx="0" cy="0"/>
+          <a:chOff x="0" y="0"/>
+          <a:chExt cx="0" cy="0"/>
+        </a:xfrm>
+      </p:grpSpPr>
+      <p:sp>
+        <p:nvSpPr>
+          <p:cNvPr id="2" name="標題 1"/>
+          <p:cNvSpPr>
+            <a:spLocks noGrp="1"/>
+          </p:cNvSpPr>
+          <p:nvPr>
+            <p:ph type="title"/>
+          </p:nvPr>
+        </p:nvSpPr>
         <p:spPr>
           <a:xfrm>
             <a:off x="605725" y="0"/>
